--- a/inpaint/trim_mel/tmp.pptx
+++ b/inpaint/trim_mel/tmp.pptx
@@ -104,6 +104,11 @@
       </a:defRPr>
     </a:lvl9pPr>
   </p:defaultTextStyle>
+  <p:extLst>
+    <p:ext uri="{EFAFB233-063F-42B5-8137-9DF3F51BA10A}">
+      <p15:sldGuideLst xmlns:p15="http://schemas.microsoft.com/office/powerpoint/2012/main"/>
+    </p:ext>
+  </p:extLst>
 </p:presentation>
 </file>
 
@@ -4175,6 +4180,252 @@
           </a:p>
         </p:txBody>
       </p:sp>
+      <p:pic>
+        <p:nvPicPr>
+          <p:cNvPr id="3" name="图片 2">
+            <a:extLst>
+              <a:ext uri="{FF2B5EF4-FFF2-40B4-BE49-F238E27FC236}">
+                <a16:creationId xmlns:a16="http://schemas.microsoft.com/office/drawing/2014/main" id="{DE49B7EB-A5C1-959A-FC49-A57072F1C6EC}"/>
+              </a:ext>
+            </a:extLst>
+          </p:cNvPr>
+          <p:cNvPicPr>
+            <a:picLocks noChangeAspect="1"/>
+          </p:cNvPicPr>
+          <p:nvPr/>
+        </p:nvPicPr>
+        <p:blipFill>
+          <a:blip r:embed="rId8">
+            <a:extLst>
+              <a:ext uri="{28A0092B-C50C-407E-A947-70E740481C1C}">
+                <a14:useLocalDpi xmlns:a14="http://schemas.microsoft.com/office/drawing/2010/main" val="0"/>
+              </a:ext>
+            </a:extLst>
+          </a:blip>
+          <a:stretch>
+            <a:fillRect/>
+          </a:stretch>
+        </p:blipFill>
+        <p:spPr>
+          <a:xfrm>
+            <a:off x="5028861" y="3833876"/>
+            <a:ext cx="3657607" cy="731521"/>
+          </a:xfrm>
+          <a:prstGeom prst="rect">
+            <a:avLst/>
+          </a:prstGeom>
+        </p:spPr>
+      </p:pic>
+      <p:pic>
+        <p:nvPicPr>
+          <p:cNvPr id="5" name="图片 4">
+            <a:extLst>
+              <a:ext uri="{FF2B5EF4-FFF2-40B4-BE49-F238E27FC236}">
+                <a16:creationId xmlns:a16="http://schemas.microsoft.com/office/drawing/2014/main" id="{36ABC9E5-9CDE-F42B-AE72-765A949233E7}"/>
+              </a:ext>
+            </a:extLst>
+          </p:cNvPr>
+          <p:cNvPicPr>
+            <a:picLocks noChangeAspect="1"/>
+          </p:cNvPicPr>
+          <p:nvPr/>
+        </p:nvPicPr>
+        <p:blipFill>
+          <a:blip r:embed="rId9">
+            <a:extLst>
+              <a:ext uri="{28A0092B-C50C-407E-A947-70E740481C1C}">
+                <a14:useLocalDpi xmlns:a14="http://schemas.microsoft.com/office/drawing/2010/main" val="0"/>
+              </a:ext>
+            </a:extLst>
+          </a:blip>
+          <a:stretch>
+            <a:fillRect/>
+          </a:stretch>
+        </p:blipFill>
+        <p:spPr>
+          <a:xfrm>
+            <a:off x="5028860" y="5166831"/>
+            <a:ext cx="3657607" cy="731521"/>
+          </a:xfrm>
+          <a:prstGeom prst="rect">
+            <a:avLst/>
+          </a:prstGeom>
+        </p:spPr>
+      </p:pic>
+      <p:sp>
+        <p:nvSpPr>
+          <p:cNvPr id="6" name="矩形 5">
+            <a:extLst>
+              <a:ext uri="{FF2B5EF4-FFF2-40B4-BE49-F238E27FC236}">
+                <a16:creationId xmlns:a16="http://schemas.microsoft.com/office/drawing/2014/main" id="{35F87778-6E47-580C-2E98-D91D8521F62D}"/>
+              </a:ext>
+            </a:extLst>
+          </p:cNvPr>
+          <p:cNvSpPr/>
+          <p:nvPr/>
+        </p:nvSpPr>
+        <p:spPr>
+          <a:xfrm>
+            <a:off x="5689417" y="3833876"/>
+            <a:ext cx="1086397" cy="731521"/>
+          </a:xfrm>
+          <a:prstGeom prst="rect">
+            <a:avLst/>
+          </a:prstGeom>
+          <a:solidFill>
+            <a:schemeClr val="tx1">
+              <a:lumMod val="50000"/>
+              <a:lumOff val="50000"/>
+              <a:alpha val="50000"/>
+            </a:schemeClr>
+          </a:solidFill>
+          <a:ln>
+            <a:solidFill>
+              <a:srgbClr val="FF0000"/>
+            </a:solidFill>
+          </a:ln>
+        </p:spPr>
+        <p:style>
+          <a:lnRef idx="2">
+            <a:schemeClr val="accent1">
+              <a:shade val="50000"/>
+            </a:schemeClr>
+          </a:lnRef>
+          <a:fillRef idx="1">
+            <a:schemeClr val="accent1"/>
+          </a:fillRef>
+          <a:effectRef idx="0">
+            <a:schemeClr val="accent1"/>
+          </a:effectRef>
+          <a:fontRef idx="minor">
+            <a:schemeClr val="lt1"/>
+          </a:fontRef>
+        </p:style>
+        <p:txBody>
+          <a:bodyPr rtlCol="0" anchor="ctr"/>
+          <a:lstStyle/>
+          <a:p>
+            <a:pPr algn="ctr"/>
+            <a:endParaRPr lang="zh-CN" altLang="en-US" dirty="0"/>
+          </a:p>
+        </p:txBody>
+      </p:sp>
+      <p:sp>
+        <p:nvSpPr>
+          <p:cNvPr id="8" name="矩形 7">
+            <a:extLst>
+              <a:ext uri="{FF2B5EF4-FFF2-40B4-BE49-F238E27FC236}">
+                <a16:creationId xmlns:a16="http://schemas.microsoft.com/office/drawing/2014/main" id="{3F8578C8-032B-D1DF-363F-AD09DD0FA295}"/>
+              </a:ext>
+            </a:extLst>
+          </p:cNvPr>
+          <p:cNvSpPr/>
+          <p:nvPr/>
+        </p:nvSpPr>
+        <p:spPr>
+          <a:xfrm>
+            <a:off x="5445525" y="5166831"/>
+            <a:ext cx="832538" cy="731521"/>
+          </a:xfrm>
+          <a:prstGeom prst="rect">
+            <a:avLst/>
+          </a:prstGeom>
+          <a:solidFill>
+            <a:schemeClr val="tx1">
+              <a:lumMod val="50000"/>
+              <a:lumOff val="50000"/>
+              <a:alpha val="50000"/>
+            </a:schemeClr>
+          </a:solidFill>
+          <a:ln>
+            <a:solidFill>
+              <a:srgbClr val="FF0000"/>
+            </a:solidFill>
+          </a:ln>
+        </p:spPr>
+        <p:style>
+          <a:lnRef idx="2">
+            <a:schemeClr val="accent1">
+              <a:shade val="50000"/>
+            </a:schemeClr>
+          </a:lnRef>
+          <a:fillRef idx="1">
+            <a:schemeClr val="accent1"/>
+          </a:fillRef>
+          <a:effectRef idx="0">
+            <a:schemeClr val="accent1"/>
+          </a:effectRef>
+          <a:fontRef idx="minor">
+            <a:schemeClr val="lt1"/>
+          </a:fontRef>
+        </p:style>
+        <p:txBody>
+          <a:bodyPr rtlCol="0" anchor="ctr"/>
+          <a:lstStyle/>
+          <a:p>
+            <a:pPr algn="ctr"/>
+            <a:endParaRPr lang="zh-CN" altLang="en-US" dirty="0"/>
+          </a:p>
+        </p:txBody>
+      </p:sp>
+      <p:sp>
+        <p:nvSpPr>
+          <p:cNvPr id="10" name="矩形 9">
+            <a:extLst>
+              <a:ext uri="{FF2B5EF4-FFF2-40B4-BE49-F238E27FC236}">
+                <a16:creationId xmlns:a16="http://schemas.microsoft.com/office/drawing/2014/main" id="{5219A1E6-1339-8996-E3AA-4F64382896CC}"/>
+              </a:ext>
+            </a:extLst>
+          </p:cNvPr>
+          <p:cNvSpPr/>
+          <p:nvPr/>
+        </p:nvSpPr>
+        <p:spPr>
+          <a:xfrm>
+            <a:off x="8040417" y="5171433"/>
+            <a:ext cx="646050" cy="731521"/>
+          </a:xfrm>
+          <a:prstGeom prst="rect">
+            <a:avLst/>
+          </a:prstGeom>
+          <a:solidFill>
+            <a:schemeClr val="tx1">
+              <a:lumMod val="50000"/>
+              <a:lumOff val="50000"/>
+              <a:alpha val="50000"/>
+            </a:schemeClr>
+          </a:solidFill>
+          <a:ln>
+            <a:solidFill>
+              <a:srgbClr val="FF0000"/>
+            </a:solidFill>
+          </a:ln>
+        </p:spPr>
+        <p:style>
+          <a:lnRef idx="2">
+            <a:schemeClr val="accent1">
+              <a:shade val="50000"/>
+            </a:schemeClr>
+          </a:lnRef>
+          <a:fillRef idx="1">
+            <a:schemeClr val="accent1"/>
+          </a:fillRef>
+          <a:effectRef idx="0">
+            <a:schemeClr val="accent1"/>
+          </a:effectRef>
+          <a:fontRef idx="minor">
+            <a:schemeClr val="lt1"/>
+          </a:fontRef>
+        </p:style>
+        <p:txBody>
+          <a:bodyPr rtlCol="0" anchor="ctr"/>
+          <a:lstStyle/>
+          <a:p>
+            <a:pPr algn="ctr"/>
+            <a:endParaRPr lang="zh-CN" altLang="en-US" dirty="0"/>
+          </a:p>
+        </p:txBody>
+      </p:sp>
     </p:spTree>
     <p:extLst>
       <p:ext uri="{BB962C8B-B14F-4D97-AF65-F5344CB8AC3E}">
